--- a/bpfig_forward.pptx
+++ b/bpfig_forward.pptx
@@ -5149,8 +5149,16 @@
 </file>
 
 <file path=ppt/slides/slide1.xml><?xml version="1.0" encoding="utf-8"?>
-<p:sld xmlns:a="http://schemas.openxmlformats.org/drawingml/2006/main" xmlns:r="http://schemas.openxmlformats.org/officeDocument/2006/relationships" xmlns:p="http://schemas.openxmlformats.org/presentationml/2006/main">
+<p:sld xmlns:a="http://schemas.openxmlformats.org/drawingml/2006/main" xmlns:r="http://schemas.openxmlformats.org/officeDocument/2006/relationships" xmlns:p="http://schemas.openxmlformats.org/presentationml/2006/main" showMasterSp="0">
   <p:cSld>
+    <p:bg>
+      <p:bgPr>
+        <a:solidFill>
+          <a:srgbClr val="FFFFFE"/>
+        </a:solidFill>
+        <a:effectLst/>
+      </p:bgPr>
+    </p:bg>
     <p:spTree>
       <p:nvGrpSpPr>
         <p:cNvPr id="1" name=""/>
@@ -6517,7 +6525,7 @@
           <a:graphicData uri="http://schemas.openxmlformats.org/presentationml/2006/ole">
             <mc:AlternateContent xmlns:mc="http://schemas.openxmlformats.org/markup-compatibility/2006">
               <mc:Choice xmlns:v="urn:schemas-microsoft-com:vml" Requires="v">
-                <p:oleObj spid="_x0000_s1134" name="Equation" r:id="rId4" imgW="88900" imgH="165100" progId="Equation.3">
+                <p:oleObj spid="_x0000_s1155" name="Equation" r:id="rId4" imgW="88900" imgH="165100" progId="Equation.3">
                   <p:embed/>
                 </p:oleObj>
               </mc:Choice>
@@ -6574,7 +6582,7 @@
           <a:graphicData uri="http://schemas.openxmlformats.org/presentationml/2006/ole">
             <mc:AlternateContent xmlns:mc="http://schemas.openxmlformats.org/markup-compatibility/2006">
               <mc:Choice xmlns:v="urn:schemas-microsoft-com:vml" Requires="v">
-                <p:oleObj spid="_x0000_s1135" name="Equation" r:id="rId6" imgW="114300" imgH="190500" progId="Equation.3">
+                <p:oleObj spid="_x0000_s1156" name="Equation" r:id="rId6" imgW="114300" imgH="190500" progId="Equation.3">
                   <p:embed/>
                 </p:oleObj>
               </mc:Choice>
@@ -6631,7 +6639,7 @@
           <a:graphicData uri="http://schemas.openxmlformats.org/presentationml/2006/ole">
             <mc:AlternateContent xmlns:mc="http://schemas.openxmlformats.org/markup-compatibility/2006">
               <mc:Choice xmlns:v="urn:schemas-microsoft-com:vml" Requires="v">
-                <p:oleObj spid="_x0000_s1136" name="Equation" r:id="rId8" imgW="127000" imgH="177800" progId="Equation.3">
+                <p:oleObj spid="_x0000_s1157" name="Equation" r:id="rId8" imgW="127000" imgH="177800" progId="Equation.3">
                   <p:embed/>
                 </p:oleObj>
               </mc:Choice>
@@ -6688,7 +6696,7 @@
           <a:graphicData uri="http://schemas.openxmlformats.org/presentationml/2006/ole">
             <mc:AlternateContent xmlns:mc="http://schemas.openxmlformats.org/markup-compatibility/2006">
               <mc:Choice xmlns:v="urn:schemas-microsoft-com:vml" Requires="v">
-                <p:oleObj spid="_x0000_s1137" name="Equation" r:id="rId10" imgW="927100" imgH="647700" progId="Equation.3">
+                <p:oleObj spid="_x0000_s1158" name="Equation" r:id="rId10" imgW="927100" imgH="647700" progId="Equation.3">
                   <p:embed/>
                 </p:oleObj>
               </mc:Choice>
@@ -6745,7 +6753,7 @@
           <a:graphicData uri="http://schemas.openxmlformats.org/presentationml/2006/ole">
             <mc:AlternateContent xmlns:mc="http://schemas.openxmlformats.org/markup-compatibility/2006">
               <mc:Choice xmlns:v="urn:schemas-microsoft-com:vml" Requires="v">
-                <p:oleObj spid="_x0000_s1138" name="Equation" r:id="rId12" imgW="88900" imgH="177800" progId="Equation.3">
+                <p:oleObj spid="_x0000_s1159" name="Equation" r:id="rId12" imgW="88900" imgH="177800" progId="Equation.3">
                   <p:embed/>
                 </p:oleObj>
               </mc:Choice>
@@ -6802,7 +6810,7 @@
           <a:graphicData uri="http://schemas.openxmlformats.org/presentationml/2006/ole">
             <mc:AlternateContent xmlns:mc="http://schemas.openxmlformats.org/markup-compatibility/2006">
               <mc:Choice xmlns:v="urn:schemas-microsoft-com:vml" Requires="v">
-                <p:oleObj spid="_x0000_s1139" name="Equation" r:id="rId14" imgW="977900" imgH="660400" progId="Equation.3">
+                <p:oleObj spid="_x0000_s1160" name="Equation" r:id="rId14" imgW="977900" imgH="660400" progId="Equation.3">
                   <p:embed/>
                 </p:oleObj>
               </mc:Choice>
@@ -6859,7 +6867,7 @@
           <a:graphicData uri="http://schemas.openxmlformats.org/presentationml/2006/ole">
             <mc:AlternateContent xmlns:mc="http://schemas.openxmlformats.org/markup-compatibility/2006">
               <mc:Choice xmlns:v="urn:schemas-microsoft-com:vml" Requires="v">
-                <p:oleObj spid="_x0000_s1140" name="Equation" r:id="rId16" imgW="952500" imgH="647700" progId="Equation.3">
+                <p:oleObj spid="_x0000_s1161" name="Equation" r:id="rId16" imgW="952500" imgH="647700" progId="Equation.3">
                   <p:embed/>
                 </p:oleObj>
               </mc:Choice>
@@ -7036,7 +7044,7 @@
           <a:graphicData uri="http://schemas.openxmlformats.org/presentationml/2006/ole">
             <mc:AlternateContent xmlns:mc="http://schemas.openxmlformats.org/markup-compatibility/2006">
               <mc:Choice xmlns:v="urn:schemas-microsoft-com:vml" Requires="v">
-                <p:oleObj spid="_x0000_s1141" name="Equation" r:id="rId18" imgW="228600" imgH="215900" progId="Equation.3">
+                <p:oleObj spid="_x0000_s1162" name="Equation" r:id="rId18" imgW="228600" imgH="215900" progId="Equation.3">
                   <p:embed/>
                 </p:oleObj>
               </mc:Choice>
@@ -7093,7 +7101,7 @@
           <a:graphicData uri="http://schemas.openxmlformats.org/presentationml/2006/ole">
             <mc:AlternateContent xmlns:mc="http://schemas.openxmlformats.org/markup-compatibility/2006">
               <mc:Choice xmlns:v="urn:schemas-microsoft-com:vml" Requires="v">
-                <p:oleObj spid="_x0000_s1142" name="Equation" r:id="rId20" imgW="254000" imgH="228600" progId="Equation.3">
+                <p:oleObj spid="_x0000_s1163" name="Equation" r:id="rId20" imgW="254000" imgH="228600" progId="Equation.3">
                   <p:embed/>
                 </p:oleObj>
               </mc:Choice>
@@ -7150,7 +7158,7 @@
           <a:graphicData uri="http://schemas.openxmlformats.org/presentationml/2006/ole">
             <mc:AlternateContent xmlns:mc="http://schemas.openxmlformats.org/markup-compatibility/2006">
               <mc:Choice xmlns:v="urn:schemas-microsoft-com:vml" Requires="v">
-                <p:oleObj spid="_x0000_s1143" name="Equation" r:id="rId22" imgW="215900" imgH="228600" progId="Equation.3">
+                <p:oleObj spid="_x0000_s1164" name="Equation" r:id="rId22" imgW="215900" imgH="228600" progId="Equation.3">
                   <p:embed/>
                 </p:oleObj>
               </mc:Choice>
